--- a/doc/ppt/第十课-php进阶.pptx
+++ b/doc/ppt/第十课-php进阶.pptx
@@ -8,6 +8,10 @@
     <p:sldId id="256" r:id="rId2"/>
     <p:sldId id="257" r:id="rId3"/>
     <p:sldId id="258" r:id="rId4"/>
+    <p:sldId id="259" r:id="rId5"/>
+    <p:sldId id="260" r:id="rId6"/>
+    <p:sldId id="261" r:id="rId7"/>
+    <p:sldId id="262" r:id="rId8"/>
   </p:sldIdLst>
   <p:sldSz cx="9144000" cy="6858000" type="screen4x3"/>
   <p:notesSz cx="6858000" cy="9144000"/>
@@ -106,6 +110,22 @@
       </a:defRPr>
     </a:lvl9pPr>
   </p:defaultTextStyle>
+  <p:extLst>
+    <p:ext uri="{EFAFB233-063F-42B5-8137-9DF3F51BA10A}">
+      <p15:sldGuideLst xmlns:p15="http://schemas.microsoft.com/office/powerpoint/2012/main">
+        <p15:guide id="1" orient="horz" pos="2160">
+          <p15:clr>
+            <a:srgbClr val="A4A3A4"/>
+          </p15:clr>
+        </p15:guide>
+        <p15:guide id="2" pos="2880">
+          <p15:clr>
+            <a:srgbClr val="A4A3A4"/>
+          </p15:clr>
+        </p15:guide>
+      </p15:sldGuideLst>
+    </p:ext>
+  </p:extLst>
 </p:presentation>
 </file>
 
@@ -3082,7 +3102,11 @@
             </a:r>
             <a:r>
               <a:rPr lang="zh-CN" altLang="en-US" dirty="0" smtClean="0"/>
-              <a:t>进阶</a:t>
+              <a:t>进</a:t>
+            </a:r>
+            <a:r>
+              <a:rPr lang="zh-CN" altLang="en-US" dirty="0" smtClean="0"/>
+              <a:t>阶使用</a:t>
             </a:r>
             <a:endParaRPr lang="zh-CN" altLang="en-US" dirty="0"/>
           </a:p>
@@ -3103,6 +3127,10 @@
           <a:bodyPr/>
           <a:lstStyle/>
           <a:p>
+            <a:r>
+              <a:rPr lang="zh-CN" altLang="en-US" dirty="0" smtClean="0"/>
+              <a:t>讲解一下前面做的习题</a:t>
+            </a:r>
             <a:endParaRPr lang="zh-CN" altLang="en-US" dirty="0"/>
           </a:p>
         </p:txBody>
@@ -3231,11 +3259,7 @@
             <a:pPr lvl="1"/>
             <a:r>
               <a:rPr lang="en-US" altLang="zh-CN" dirty="0" smtClean="0"/>
-              <a:t>$c = </a:t>
-            </a:r>
-            <a:r>
-              <a:rPr lang="en-US" altLang="zh-CN" dirty="0" smtClean="0"/>
-              <a:t>7E-10</a:t>
+              <a:t>$c = 7E-10</a:t>
             </a:r>
           </a:p>
           <a:p>
@@ -3263,11 +3287,7 @@
             <a:pPr lvl="1"/>
             <a:r>
               <a:rPr lang="en-US" altLang="zh-CN" dirty="0" smtClean="0"/>
-              <a:t>floor((0.1 + 0.7) * 10) = </a:t>
-            </a:r>
-            <a:r>
-              <a:rPr lang="en-US" altLang="zh-CN" dirty="0" smtClean="0"/>
-              <a:t>7</a:t>
+              <a:t>floor((0.1 + 0.7) * 10) = 7</a:t>
             </a:r>
           </a:p>
           <a:p>
@@ -3292,15 +3312,7 @@
           <a:p>
             <a:r>
               <a:rPr lang="zh-CN" altLang="en-US" dirty="0" smtClean="0"/>
-              <a:t>永远不要相信浮点数结果精确到了最后</a:t>
-            </a:r>
-            <a:r>
-              <a:rPr lang="zh-CN" altLang="en-US" dirty="0" smtClean="0"/>
-              <a:t>一</a:t>
-            </a:r>
-            <a:r>
-              <a:rPr lang="zh-CN" altLang="en-US" dirty="0" smtClean="0"/>
-              <a:t>位</a:t>
+              <a:t>永远不要相信浮点数结果精确到了最后一位</a:t>
             </a:r>
             <a:endParaRPr lang="en-US" altLang="zh-CN" dirty="0" smtClean="0"/>
           </a:p>
@@ -3314,11 +3326,7 @@
           <a:p>
             <a:r>
               <a:rPr lang="zh-CN" altLang="en-US" dirty="0" smtClean="0"/>
-              <a:t>要</a:t>
-            </a:r>
-            <a:r>
-              <a:rPr lang="zh-CN" altLang="en-US" dirty="0" smtClean="0"/>
-              <a:t>进行高精度的运算，需要使用一些特殊的函数</a:t>
+              <a:t>要进行高精度的运算，需要使用一些特殊的函数</a:t>
             </a:r>
             <a:endParaRPr lang="en-US" altLang="zh-CN" dirty="0" smtClean="0"/>
           </a:p>
@@ -3414,7 +3422,7 @@
         <p:spPr/>
         <p:txBody>
           <a:bodyPr>
-            <a:normAutofit fontScale="77500" lnSpcReduction="20000"/>
+            <a:normAutofit fontScale="62500" lnSpcReduction="20000"/>
           </a:bodyPr>
           <a:lstStyle/>
           <a:p>
@@ -3436,19 +3444,27 @@
             <a:pPr lvl="1"/>
             <a:r>
               <a:rPr lang="zh-CN" altLang="en-US" dirty="0" smtClean="0"/>
-              <a:t>要表达一个单引号本身，需要在它前面加一个反斜杠</a:t>
+              <a:t>要表达一个单引号本身，需要在它前面加一个反斜</a:t>
+            </a:r>
+            <a:r>
+              <a:rPr lang="zh-CN" altLang="en-US" dirty="0" smtClean="0"/>
+              <a:t>杠</a:t>
             </a:r>
             <a:endParaRPr lang="en-US" altLang="zh-CN" dirty="0" smtClean="0"/>
           </a:p>
           <a:p>
+            <a:pPr lvl="2"/>
+            <a:r>
+              <a:rPr lang="zh-CN" altLang="en-US" smtClean="0"/>
+              <a:t>单引号括起来的字符串，中间表示单引号就需要加入一个反斜杠</a:t>
+            </a:r>
+            <a:endParaRPr lang="en-US" altLang="zh-CN" dirty="0" smtClean="0"/>
+          </a:p>
+          <a:p>
             <a:pPr lvl="1"/>
             <a:r>
               <a:rPr lang="zh-CN" altLang="en-US" dirty="0" smtClean="0"/>
-              <a:t>单引号中的变量和特殊字符串的转义不会被</a:t>
-            </a:r>
-            <a:r>
-              <a:rPr lang="zh-CN" altLang="en-US" dirty="0" smtClean="0"/>
-              <a:t>替换</a:t>
+              <a:t>单引号中的变量和特殊字符串的转义不会被替换</a:t>
             </a:r>
             <a:endParaRPr lang="en-US" altLang="zh-CN" dirty="0" smtClean="0"/>
           </a:p>
@@ -3462,91 +3478,112 @@
           <a:p>
             <a:pPr lvl="1"/>
             <a:r>
+              <a:rPr lang="zh-CN" altLang="en-US" dirty="0"/>
+              <a:t>会对一些特殊字符进行转义</a:t>
+            </a:r>
+            <a:endParaRPr lang="en-US" altLang="zh-CN" dirty="0"/>
+          </a:p>
+          <a:p>
+            <a:pPr lvl="2"/>
+            <a:r>
+              <a:rPr lang="en-US" altLang="zh-CN" dirty="0"/>
+              <a:t>\n	(</a:t>
+            </a:r>
+            <a:r>
+              <a:rPr lang="zh-CN" altLang="en-US" dirty="0"/>
+              <a:t>换行</a:t>
+            </a:r>
+            <a:r>
+              <a:rPr lang="en-US" altLang="zh-CN" dirty="0"/>
+              <a:t>)</a:t>
+            </a:r>
+          </a:p>
+          <a:p>
+            <a:pPr lvl="2"/>
+            <a:r>
+              <a:rPr lang="en-US" altLang="zh-CN" dirty="0"/>
+              <a:t>\r	(tab</a:t>
+            </a:r>
+            <a:r>
+              <a:rPr lang="zh-CN" altLang="en-US" dirty="0"/>
+              <a:t>键</a:t>
+            </a:r>
+            <a:r>
+              <a:rPr lang="en-US" altLang="zh-CN" dirty="0"/>
+              <a:t>8</a:t>
+            </a:r>
+            <a:r>
+              <a:rPr lang="zh-CN" altLang="en-US" dirty="0"/>
+              <a:t>个空格</a:t>
+            </a:r>
+            <a:r>
+              <a:rPr lang="en-US" altLang="zh-CN" dirty="0"/>
+              <a:t>)</a:t>
+            </a:r>
+          </a:p>
+          <a:p>
+            <a:pPr lvl="1"/>
+            <a:r>
+              <a:rPr lang="zh-CN" altLang="en-US" dirty="0"/>
+              <a:t>简单语法</a:t>
+            </a:r>
+            <a:endParaRPr lang="en-US" altLang="zh-CN" dirty="0"/>
+          </a:p>
+          <a:p>
+            <a:pPr lvl="2"/>
+            <a:r>
+              <a:rPr lang="zh-CN" altLang="en-US" dirty="0"/>
+              <a:t>直接解析变量</a:t>
+            </a:r>
+            <a:endParaRPr lang="en-US" altLang="zh-CN" dirty="0"/>
+          </a:p>
+          <a:p>
+            <a:pPr lvl="2"/>
+            <a:r>
+              <a:rPr lang="zh-CN" altLang="en-US" dirty="0"/>
+              <a:t>直接解析数组值</a:t>
+            </a:r>
+            <a:endParaRPr lang="en-US" altLang="zh-CN" dirty="0"/>
+          </a:p>
+          <a:p>
+            <a:pPr lvl="2"/>
+            <a:r>
+              <a:rPr lang="zh-CN" altLang="en-US" dirty="0"/>
+              <a:t>直接解析对象值</a:t>
+            </a:r>
+            <a:endParaRPr lang="en-US" altLang="zh-CN" dirty="0"/>
+          </a:p>
+          <a:p>
+            <a:pPr lvl="1"/>
+            <a:r>
+              <a:rPr lang="zh-CN" altLang="en-US" dirty="0"/>
+              <a:t>复杂语法</a:t>
+            </a:r>
+            <a:endParaRPr lang="en-US" altLang="zh-CN" dirty="0"/>
+          </a:p>
+          <a:p>
+            <a:pPr lvl="2"/>
+            <a:r>
+              <a:rPr lang="zh-CN" altLang="en-US" dirty="0"/>
+              <a:t>花括号</a:t>
+            </a:r>
+            <a:r>
               <a:rPr lang="zh-CN" altLang="en-US" dirty="0" smtClean="0"/>
-              <a:t>会</a:t>
-            </a:r>
+              <a:t>使用</a:t>
+            </a:r>
+            <a:endParaRPr lang="en-US" altLang="zh-CN" dirty="0" smtClean="0"/>
+          </a:p>
+          <a:p>
             <a:r>
               <a:rPr lang="zh-CN" altLang="en-US" dirty="0" smtClean="0"/>
-              <a:t>对一些特殊字符进行转义</a:t>
+              <a:t>两种方式性能问题</a:t>
             </a:r>
             <a:endParaRPr lang="en-US" altLang="zh-CN" dirty="0" smtClean="0"/>
           </a:p>
           <a:p>
-            <a:pPr lvl="2"/>
-            <a:r>
-              <a:rPr lang="en-US" altLang="zh-CN" dirty="0" smtClean="0"/>
-              <a:t>\n	(</a:t>
-            </a:r>
             <a:r>
               <a:rPr lang="zh-CN" altLang="en-US" dirty="0" smtClean="0"/>
-              <a:t>换行</a:t>
-            </a:r>
-            <a:r>
-              <a:rPr lang="en-US" altLang="zh-CN" dirty="0" smtClean="0"/>
-              <a:t>)</a:t>
-            </a:r>
-          </a:p>
-          <a:p>
-            <a:pPr lvl="2"/>
-            <a:r>
-              <a:rPr lang="en-US" altLang="zh-CN" dirty="0" smtClean="0"/>
-              <a:t>\r	(tab</a:t>
-            </a:r>
-            <a:r>
-              <a:rPr lang="zh-CN" altLang="en-US" dirty="0" smtClean="0"/>
-              <a:t>键</a:t>
-            </a:r>
-            <a:r>
-              <a:rPr lang="en-US" altLang="zh-CN" dirty="0" smtClean="0"/>
-              <a:t>8</a:t>
-            </a:r>
-            <a:r>
-              <a:rPr lang="zh-CN" altLang="en-US" dirty="0" smtClean="0"/>
-              <a:t>个空格</a:t>
-            </a:r>
-            <a:r>
-              <a:rPr lang="en-US" altLang="zh-CN" dirty="0" smtClean="0"/>
-              <a:t>)</a:t>
-            </a:r>
-            <a:endParaRPr lang="en-US" altLang="zh-CN" dirty="0" smtClean="0"/>
-          </a:p>
-          <a:p>
-            <a:pPr lvl="1"/>
-            <a:r>
-              <a:rPr lang="zh-CN" altLang="en-US" dirty="0" smtClean="0"/>
-              <a:t>简单语法</a:t>
-            </a:r>
-            <a:endParaRPr lang="en-US" altLang="zh-CN" dirty="0" smtClean="0"/>
-          </a:p>
-          <a:p>
-            <a:pPr lvl="2"/>
-            <a:r>
-              <a:rPr lang="zh-CN" altLang="en-US" dirty="0" smtClean="0"/>
-              <a:t>直接解析变量</a:t>
-            </a:r>
-            <a:endParaRPr lang="en-US" altLang="zh-CN" dirty="0" smtClean="0"/>
-          </a:p>
-          <a:p>
-            <a:pPr lvl="2"/>
-            <a:r>
-              <a:rPr lang="zh-CN" altLang="en-US" dirty="0" smtClean="0"/>
-              <a:t>直接解析数组值</a:t>
-            </a:r>
-            <a:endParaRPr lang="en-US" altLang="zh-CN" dirty="0" smtClean="0"/>
-          </a:p>
-          <a:p>
-            <a:pPr lvl="2"/>
-            <a:r>
-              <a:rPr lang="zh-CN" altLang="en-US" smtClean="0"/>
-              <a:t>直接解析对象值</a:t>
-            </a:r>
-            <a:endParaRPr lang="en-US" altLang="zh-CN" dirty="0" smtClean="0"/>
-          </a:p>
-          <a:p>
-            <a:pPr lvl="1"/>
-            <a:r>
-              <a:rPr lang="zh-CN" altLang="en-US" dirty="0" smtClean="0"/>
-              <a:t>复杂语法</a:t>
+              <a:t>字符串与数字计算</a:t>
             </a:r>
             <a:endParaRPr lang="en-US" altLang="zh-CN" dirty="0" smtClean="0"/>
           </a:p>
@@ -3559,6 +3596,452 @@
         </p:txBody>
       </p:sp>
     </p:spTree>
+  </p:cSld>
+  <p:clrMapOvr>
+    <a:masterClrMapping/>
+  </p:clrMapOvr>
+</p:sld>
+</file>
+
+<file path=ppt/slides/slide4.xml><?xml version="1.0" encoding="utf-8"?>
+<p:sld xmlns:a="http://schemas.openxmlformats.org/drawingml/2006/main" xmlns:r="http://schemas.openxmlformats.org/officeDocument/2006/relationships" xmlns:p="http://schemas.openxmlformats.org/presentationml/2006/main">
+  <p:cSld>
+    <p:spTree>
+      <p:nvGrpSpPr>
+        <p:cNvPr id="1" name=""/>
+        <p:cNvGrpSpPr/>
+        <p:nvPr/>
+      </p:nvGrpSpPr>
+      <p:grpSpPr>
+        <a:xfrm>
+          <a:off x="0" y="0"/>
+          <a:ext cx="0" cy="0"/>
+          <a:chOff x="0" y="0"/>
+          <a:chExt cx="0" cy="0"/>
+        </a:xfrm>
+      </p:grpSpPr>
+      <p:sp>
+        <p:nvSpPr>
+          <p:cNvPr id="2" name="标题 1"/>
+          <p:cNvSpPr>
+            <a:spLocks noGrp="1"/>
+          </p:cNvSpPr>
+          <p:nvPr>
+            <p:ph type="title"/>
+          </p:nvPr>
+        </p:nvSpPr>
+        <p:spPr/>
+        <p:txBody>
+          <a:bodyPr/>
+          <a:lstStyle/>
+          <a:p>
+            <a:r>
+              <a:rPr lang="en-US" altLang="zh-CN" dirty="0" smtClean="0"/>
+              <a:t>array</a:t>
+            </a:r>
+            <a:endParaRPr lang="zh-CN" altLang="en-US" dirty="0"/>
+          </a:p>
+        </p:txBody>
+      </p:sp>
+      <p:sp>
+        <p:nvSpPr>
+          <p:cNvPr id="3" name="内容占位符 2"/>
+          <p:cNvSpPr>
+            <a:spLocks noGrp="1"/>
+          </p:cNvSpPr>
+          <p:nvPr>
+            <p:ph idx="1"/>
+          </p:nvPr>
+        </p:nvSpPr>
+        <p:spPr/>
+        <p:txBody>
+          <a:bodyPr/>
+          <a:lstStyle/>
+          <a:p>
+            <a:r>
+              <a:rPr lang="zh-CN" altLang="en-US" dirty="0" smtClean="0"/>
+              <a:t>数组设置时的</a:t>
+            </a:r>
+            <a:r>
+              <a:rPr lang="en-US" altLang="zh-CN" dirty="0" smtClean="0"/>
+              <a:t>key</a:t>
+            </a:r>
+            <a:r>
+              <a:rPr lang="zh-CN" altLang="en-US" dirty="0" smtClean="0"/>
+              <a:t>强制转换</a:t>
+            </a:r>
+            <a:endParaRPr lang="en-US" altLang="zh-CN" dirty="0" smtClean="0"/>
+          </a:p>
+          <a:p>
+            <a:r>
+              <a:rPr lang="zh-CN" altLang="en-US" dirty="0"/>
+              <a:t>键</a:t>
+            </a:r>
+            <a:r>
+              <a:rPr lang="zh-CN" altLang="en-US" dirty="0" smtClean="0"/>
+              <a:t>名重复</a:t>
+            </a:r>
+            <a:endParaRPr lang="en-US" altLang="zh-CN" dirty="0" smtClean="0"/>
+          </a:p>
+          <a:p>
+            <a:r>
+              <a:rPr lang="zh-CN" altLang="en-US" dirty="0"/>
+              <a:t>键</a:t>
+            </a:r>
+            <a:r>
+              <a:rPr lang="zh-CN" altLang="en-US" dirty="0" smtClean="0"/>
+              <a:t>名未设置时</a:t>
+            </a:r>
+            <a:endParaRPr lang="en-US" altLang="zh-CN" dirty="0" smtClean="0"/>
+          </a:p>
+          <a:p>
+            <a:r>
+              <a:rPr lang="zh-CN" altLang="en-US" dirty="0" smtClean="0"/>
+              <a:t>取值与设置值</a:t>
+            </a:r>
+            <a:endParaRPr lang="en-US" altLang="zh-CN" dirty="0" smtClean="0"/>
+          </a:p>
+          <a:p>
+            <a:r>
+              <a:rPr lang="zh-CN" altLang="en-US" dirty="0" smtClean="0"/>
+              <a:t>转换成数组</a:t>
+            </a:r>
+            <a:endParaRPr lang="en-US" altLang="zh-CN" dirty="0" smtClean="0"/>
+          </a:p>
+          <a:p>
+            <a:endParaRPr lang="zh-CN" altLang="en-US" dirty="0"/>
+          </a:p>
+        </p:txBody>
+      </p:sp>
+    </p:spTree>
+    <p:extLst>
+      <p:ext uri="{BB962C8B-B14F-4D97-AF65-F5344CB8AC3E}">
+        <p14:creationId xmlns:p14="http://schemas.microsoft.com/office/powerpoint/2010/main" val="3973888286"/>
+      </p:ext>
+    </p:extLst>
+  </p:cSld>
+  <p:clrMapOvr>
+    <a:masterClrMapping/>
+  </p:clrMapOvr>
+</p:sld>
+</file>
+
+<file path=ppt/slides/slide5.xml><?xml version="1.0" encoding="utf-8"?>
+<p:sld xmlns:a="http://schemas.openxmlformats.org/drawingml/2006/main" xmlns:r="http://schemas.openxmlformats.org/officeDocument/2006/relationships" xmlns:p="http://schemas.openxmlformats.org/presentationml/2006/main">
+  <p:cSld>
+    <p:spTree>
+      <p:nvGrpSpPr>
+        <p:cNvPr id="1" name=""/>
+        <p:cNvGrpSpPr/>
+        <p:nvPr/>
+      </p:nvGrpSpPr>
+      <p:grpSpPr>
+        <a:xfrm>
+          <a:off x="0" y="0"/>
+          <a:ext cx="0" cy="0"/>
+          <a:chOff x="0" y="0"/>
+          <a:chExt cx="0" cy="0"/>
+        </a:xfrm>
+      </p:grpSpPr>
+      <p:sp>
+        <p:nvSpPr>
+          <p:cNvPr id="2" name="标题 1"/>
+          <p:cNvSpPr>
+            <a:spLocks noGrp="1"/>
+          </p:cNvSpPr>
+          <p:nvPr>
+            <p:ph type="title"/>
+          </p:nvPr>
+        </p:nvSpPr>
+        <p:spPr/>
+        <p:txBody>
+          <a:bodyPr/>
+          <a:lstStyle/>
+          <a:p>
+            <a:r>
+              <a:rPr lang="zh-CN" altLang="en-US" dirty="0" smtClean="0"/>
+              <a:t>对象</a:t>
+            </a:r>
+            <a:endParaRPr lang="zh-CN" altLang="en-US" dirty="0"/>
+          </a:p>
+        </p:txBody>
+      </p:sp>
+      <p:sp>
+        <p:nvSpPr>
+          <p:cNvPr id="3" name="内容占位符 2"/>
+          <p:cNvSpPr>
+            <a:spLocks noGrp="1"/>
+          </p:cNvSpPr>
+          <p:nvPr>
+            <p:ph idx="1"/>
+          </p:nvPr>
+        </p:nvSpPr>
+        <p:spPr/>
+        <p:txBody>
+          <a:bodyPr/>
+          <a:lstStyle/>
+          <a:p>
+            <a:r>
+              <a:rPr lang="zh-CN" altLang="en-US" dirty="0" smtClean="0"/>
+              <a:t>创建一个基本对象</a:t>
+            </a:r>
+            <a:endParaRPr lang="en-US" altLang="zh-CN" dirty="0" smtClean="0"/>
+          </a:p>
+          <a:p>
+            <a:r>
+              <a:rPr lang="zh-CN" altLang="en-US" dirty="0" smtClean="0"/>
+              <a:t>定义类与对象</a:t>
+            </a:r>
+            <a:endParaRPr lang="en-US" altLang="zh-CN" dirty="0" smtClean="0"/>
+          </a:p>
+          <a:p>
+            <a:pPr lvl="1"/>
+            <a:r>
+              <a:rPr lang="zh-CN" altLang="en-US" dirty="0"/>
+              <a:t>类的访问控制符</a:t>
+            </a:r>
+            <a:endParaRPr lang="en-US" altLang="zh-CN" dirty="0"/>
+          </a:p>
+          <a:p>
+            <a:pPr lvl="2"/>
+            <a:r>
+              <a:rPr lang="en-US" altLang="zh-CN" dirty="0"/>
+              <a:t>public </a:t>
+            </a:r>
+            <a:r>
+              <a:rPr lang="zh-CN" altLang="en-US" dirty="0"/>
+              <a:t>所有人可以访问</a:t>
+            </a:r>
+            <a:endParaRPr lang="en-US" altLang="zh-CN" dirty="0"/>
+          </a:p>
+          <a:p>
+            <a:pPr lvl="2"/>
+            <a:r>
+              <a:rPr lang="en-US" altLang="zh-CN" dirty="0"/>
+              <a:t>private </a:t>
+            </a:r>
+            <a:r>
+              <a:rPr lang="zh-CN" altLang="en-US" dirty="0"/>
+              <a:t>自己访问</a:t>
+            </a:r>
+            <a:endParaRPr lang="en-US" altLang="zh-CN" dirty="0"/>
+          </a:p>
+          <a:p>
+            <a:pPr lvl="2"/>
+            <a:r>
+              <a:rPr lang="en-US" altLang="zh-CN" dirty="0"/>
+              <a:t>product </a:t>
+            </a:r>
+            <a:r>
+              <a:rPr lang="zh-CN" altLang="en-US" dirty="0"/>
+              <a:t>自己，子类，父类可以</a:t>
+            </a:r>
+            <a:r>
+              <a:rPr lang="zh-CN" altLang="en-US" dirty="0" smtClean="0"/>
+              <a:t>访问</a:t>
+            </a:r>
+            <a:endParaRPr lang="en-US" altLang="zh-CN" dirty="0" smtClean="0"/>
+          </a:p>
+          <a:p>
+            <a:r>
+              <a:rPr lang="zh-CN" altLang="en-US" dirty="0" smtClean="0"/>
+              <a:t>其他类型转换成对象</a:t>
+            </a:r>
+            <a:endParaRPr lang="en-US" altLang="zh-CN" dirty="0" smtClean="0"/>
+          </a:p>
+          <a:p>
+            <a:pPr marL="914400" lvl="2" indent="0">
+              <a:buNone/>
+            </a:pPr>
+            <a:endParaRPr lang="en-US" altLang="zh-CN" dirty="0"/>
+          </a:p>
+        </p:txBody>
+      </p:sp>
+    </p:spTree>
+    <p:extLst>
+      <p:ext uri="{BB962C8B-B14F-4D97-AF65-F5344CB8AC3E}">
+        <p14:creationId xmlns:p14="http://schemas.microsoft.com/office/powerpoint/2010/main" val="3286144592"/>
+      </p:ext>
+    </p:extLst>
+  </p:cSld>
+  <p:clrMapOvr>
+    <a:masterClrMapping/>
+  </p:clrMapOvr>
+</p:sld>
+</file>
+
+<file path=ppt/slides/slide6.xml><?xml version="1.0" encoding="utf-8"?>
+<p:sld xmlns:a="http://schemas.openxmlformats.org/drawingml/2006/main" xmlns:r="http://schemas.openxmlformats.org/officeDocument/2006/relationships" xmlns:p="http://schemas.openxmlformats.org/presentationml/2006/main">
+  <p:cSld>
+    <p:spTree>
+      <p:nvGrpSpPr>
+        <p:cNvPr id="1" name=""/>
+        <p:cNvGrpSpPr/>
+        <p:nvPr/>
+      </p:nvGrpSpPr>
+      <p:grpSpPr>
+        <a:xfrm>
+          <a:off x="0" y="0"/>
+          <a:ext cx="0" cy="0"/>
+          <a:chOff x="0" y="0"/>
+          <a:chExt cx="0" cy="0"/>
+        </a:xfrm>
+      </p:grpSpPr>
+      <p:sp>
+        <p:nvSpPr>
+          <p:cNvPr id="2" name="标题 1"/>
+          <p:cNvSpPr>
+            <a:spLocks noGrp="1"/>
+          </p:cNvSpPr>
+          <p:nvPr>
+            <p:ph type="title"/>
+          </p:nvPr>
+        </p:nvSpPr>
+        <p:spPr/>
+        <p:txBody>
+          <a:bodyPr/>
+          <a:lstStyle/>
+          <a:p>
+            <a:r>
+              <a:rPr lang="en-US" altLang="zh-CN" dirty="0" smtClean="0"/>
+              <a:t>null</a:t>
+            </a:r>
+            <a:endParaRPr lang="zh-CN" altLang="en-US" dirty="0"/>
+          </a:p>
+        </p:txBody>
+      </p:sp>
+      <p:sp>
+        <p:nvSpPr>
+          <p:cNvPr id="3" name="内容占位符 2"/>
+          <p:cNvSpPr>
+            <a:spLocks noGrp="1"/>
+          </p:cNvSpPr>
+          <p:nvPr>
+            <p:ph idx="1"/>
+          </p:nvPr>
+        </p:nvSpPr>
+        <p:spPr/>
+        <p:txBody>
+          <a:bodyPr/>
+          <a:lstStyle/>
+          <a:p>
+            <a:r>
+              <a:rPr lang="zh-CN" altLang="en-US" dirty="0" smtClean="0"/>
+              <a:t>未定义的变量，取未设置值的键</a:t>
+            </a:r>
+            <a:endParaRPr lang="en-US" altLang="zh-CN" dirty="0" smtClean="0"/>
+          </a:p>
+          <a:p>
+            <a:r>
+              <a:rPr lang="en-US" altLang="zh-CN" dirty="0" smtClean="0"/>
+              <a:t>unset</a:t>
+            </a:r>
+            <a:r>
+              <a:rPr lang="zh-CN" altLang="en-US" dirty="0" smtClean="0"/>
+              <a:t>掉的变量或键值</a:t>
+            </a:r>
+            <a:endParaRPr lang="zh-CN" altLang="en-US" dirty="0"/>
+          </a:p>
+        </p:txBody>
+      </p:sp>
+    </p:spTree>
+    <p:extLst>
+      <p:ext uri="{BB962C8B-B14F-4D97-AF65-F5344CB8AC3E}">
+        <p14:creationId xmlns:p14="http://schemas.microsoft.com/office/powerpoint/2010/main" val="3339852778"/>
+      </p:ext>
+    </p:extLst>
+  </p:cSld>
+  <p:clrMapOvr>
+    <a:masterClrMapping/>
+  </p:clrMapOvr>
+</p:sld>
+</file>
+
+<file path=ppt/slides/slide7.xml><?xml version="1.0" encoding="utf-8"?>
+<p:sld xmlns:a="http://schemas.openxmlformats.org/drawingml/2006/main" xmlns:r="http://schemas.openxmlformats.org/officeDocument/2006/relationships" xmlns:p="http://schemas.openxmlformats.org/presentationml/2006/main">
+  <p:cSld>
+    <p:spTree>
+      <p:nvGrpSpPr>
+        <p:cNvPr id="1" name=""/>
+        <p:cNvGrpSpPr/>
+        <p:nvPr/>
+      </p:nvGrpSpPr>
+      <p:grpSpPr>
+        <a:xfrm>
+          <a:off x="0" y="0"/>
+          <a:ext cx="0" cy="0"/>
+          <a:chOff x="0" y="0"/>
+          <a:chExt cx="0" cy="0"/>
+        </a:xfrm>
+      </p:grpSpPr>
+      <p:sp>
+        <p:nvSpPr>
+          <p:cNvPr id="2" name="标题 1"/>
+          <p:cNvSpPr>
+            <a:spLocks noGrp="1"/>
+          </p:cNvSpPr>
+          <p:nvPr>
+            <p:ph type="title"/>
+          </p:nvPr>
+        </p:nvSpPr>
+        <p:spPr/>
+        <p:txBody>
+          <a:bodyPr/>
+          <a:lstStyle/>
+          <a:p>
+            <a:r>
+              <a:rPr lang="en-US" altLang="zh-CN" dirty="0" smtClean="0"/>
+              <a:t>callable</a:t>
+            </a:r>
+            <a:r>
+              <a:rPr lang="zh-CN" altLang="en-US" dirty="0" smtClean="0"/>
+              <a:t>类型</a:t>
+            </a:r>
+            <a:endParaRPr lang="zh-CN" altLang="en-US" dirty="0"/>
+          </a:p>
+        </p:txBody>
+      </p:sp>
+      <p:sp>
+        <p:nvSpPr>
+          <p:cNvPr id="3" name="内容占位符 2"/>
+          <p:cNvSpPr>
+            <a:spLocks noGrp="1"/>
+          </p:cNvSpPr>
+          <p:nvPr>
+            <p:ph idx="1"/>
+          </p:nvPr>
+        </p:nvSpPr>
+        <p:spPr/>
+        <p:txBody>
+          <a:bodyPr/>
+          <a:lstStyle/>
+          <a:p>
+            <a:r>
+              <a:rPr lang="en-US" altLang="zh-CN" dirty="0" err="1" smtClean="0"/>
+              <a:t>call_user</a:t>
+            </a:r>
+            <a:r>
+              <a:rPr lang="en-US" altLang="zh-CN" dirty="0" smtClean="0"/>
+              <a:t>_ </a:t>
+            </a:r>
+            <a:r>
+              <a:rPr lang="en-US" altLang="zh-CN" dirty="0" err="1" smtClean="0"/>
+              <a:t>func</a:t>
+            </a:r>
+            <a:r>
+              <a:rPr lang="en-US" altLang="zh-CN" dirty="0" smtClean="0"/>
+              <a:t>()</a:t>
+            </a:r>
+            <a:endParaRPr lang="zh-CN" altLang="en-US" dirty="0"/>
+          </a:p>
+        </p:txBody>
+      </p:sp>
+    </p:spTree>
+    <p:extLst>
+      <p:ext uri="{BB962C8B-B14F-4D97-AF65-F5344CB8AC3E}">
+        <p14:creationId xmlns:p14="http://schemas.microsoft.com/office/powerpoint/2010/main" val="1974215963"/>
+      </p:ext>
+    </p:extLst>
   </p:cSld>
   <p:clrMapOvr>
     <a:masterClrMapping/>
